--- a/figs/system/setup_rMPLC_xy.pptx
+++ b/figs/system/setup_rMPLC_xy.pptx
@@ -259,7 +259,7 @@
           <a:p>
             <a:fld id="{69E1F076-E2AF-478E-AC00-4EBFD33DEBD7}" type="datetimeFigureOut">
               <a:rPr lang="en-US" smtClean="0"/>
-              <a:t>11/15/2025</a:t>
+              <a:t>12/11/2025</a:t>
             </a:fld>
             <a:endParaRPr lang="en-US"/>
           </a:p>
@@ -457,7 +457,7 @@
           <a:p>
             <a:fld id="{69E1F076-E2AF-478E-AC00-4EBFD33DEBD7}" type="datetimeFigureOut">
               <a:rPr lang="en-US" smtClean="0"/>
-              <a:t>11/15/2025</a:t>
+              <a:t>12/11/2025</a:t>
             </a:fld>
             <a:endParaRPr lang="en-US"/>
           </a:p>
@@ -665,7 +665,7 @@
           <a:p>
             <a:fld id="{69E1F076-E2AF-478E-AC00-4EBFD33DEBD7}" type="datetimeFigureOut">
               <a:rPr lang="en-US" smtClean="0"/>
-              <a:t>11/15/2025</a:t>
+              <a:t>12/11/2025</a:t>
             </a:fld>
             <a:endParaRPr lang="en-US"/>
           </a:p>
@@ -863,7 +863,7 @@
           <a:p>
             <a:fld id="{69E1F076-E2AF-478E-AC00-4EBFD33DEBD7}" type="datetimeFigureOut">
               <a:rPr lang="en-US" smtClean="0"/>
-              <a:t>11/15/2025</a:t>
+              <a:t>12/11/2025</a:t>
             </a:fld>
             <a:endParaRPr lang="en-US"/>
           </a:p>
@@ -1138,7 +1138,7 @@
           <a:p>
             <a:fld id="{69E1F076-E2AF-478E-AC00-4EBFD33DEBD7}" type="datetimeFigureOut">
               <a:rPr lang="en-US" smtClean="0"/>
-              <a:t>11/15/2025</a:t>
+              <a:t>12/11/2025</a:t>
             </a:fld>
             <a:endParaRPr lang="en-US"/>
           </a:p>
@@ -1403,7 +1403,7 @@
           <a:p>
             <a:fld id="{69E1F076-E2AF-478E-AC00-4EBFD33DEBD7}" type="datetimeFigureOut">
               <a:rPr lang="en-US" smtClean="0"/>
-              <a:t>11/15/2025</a:t>
+              <a:t>12/11/2025</a:t>
             </a:fld>
             <a:endParaRPr lang="en-US"/>
           </a:p>
@@ -1815,7 +1815,7 @@
           <a:p>
             <a:fld id="{69E1F076-E2AF-478E-AC00-4EBFD33DEBD7}" type="datetimeFigureOut">
               <a:rPr lang="en-US" smtClean="0"/>
-              <a:t>11/15/2025</a:t>
+              <a:t>12/11/2025</a:t>
             </a:fld>
             <a:endParaRPr lang="en-US"/>
           </a:p>
@@ -1956,7 +1956,7 @@
           <a:p>
             <a:fld id="{69E1F076-E2AF-478E-AC00-4EBFD33DEBD7}" type="datetimeFigureOut">
               <a:rPr lang="en-US" smtClean="0"/>
-              <a:t>11/15/2025</a:t>
+              <a:t>12/11/2025</a:t>
             </a:fld>
             <a:endParaRPr lang="en-US"/>
           </a:p>
@@ -2069,7 +2069,7 @@
           <a:p>
             <a:fld id="{69E1F076-E2AF-478E-AC00-4EBFD33DEBD7}" type="datetimeFigureOut">
               <a:rPr lang="en-US" smtClean="0"/>
-              <a:t>11/15/2025</a:t>
+              <a:t>12/11/2025</a:t>
             </a:fld>
             <a:endParaRPr lang="en-US"/>
           </a:p>
@@ -2380,7 +2380,7 @@
           <a:p>
             <a:fld id="{69E1F076-E2AF-478E-AC00-4EBFD33DEBD7}" type="datetimeFigureOut">
               <a:rPr lang="en-US" smtClean="0"/>
-              <a:t>11/15/2025</a:t>
+              <a:t>12/11/2025</a:t>
             </a:fld>
             <a:endParaRPr lang="en-US"/>
           </a:p>
@@ -2668,7 +2668,7 @@
           <a:p>
             <a:fld id="{69E1F076-E2AF-478E-AC00-4EBFD33DEBD7}" type="datetimeFigureOut">
               <a:rPr lang="en-US" smtClean="0"/>
-              <a:t>11/15/2025</a:t>
+              <a:t>12/11/2025</a:t>
             </a:fld>
             <a:endParaRPr lang="en-US"/>
           </a:p>
@@ -2909,7 +2909,7 @@
           <a:p>
             <a:fld id="{69E1F076-E2AF-478E-AC00-4EBFD33DEBD7}" type="datetimeFigureOut">
               <a:rPr lang="en-US" smtClean="0"/>
-              <a:t>11/15/2025</a:t>
+              <a:t>12/11/2025</a:t>
             </a:fld>
             <a:endParaRPr lang="en-US"/>
           </a:p>
@@ -5810,7 +5810,7 @@
                 <a:latin typeface="Times New Roman" panose="02020603050405020304" pitchFamily="18" charset="0"/>
                 <a:cs typeface="Times New Roman" panose="02020603050405020304" pitchFamily="18" charset="0"/>
               </a:rPr>
-              <a:t>Bounce 1</a:t>
+              <a:t>Bounce 2</a:t>
             </a:r>
           </a:p>
         </p:txBody>
@@ -5830,44 +5830,6 @@
         <p:spPr>
           <a:xfrm>
             <a:off x="5155543" y="-1038"/>
-            <a:ext cx="2055662" cy="430887"/>
-          </a:xfrm>
-          <a:prstGeom prst="rect">
-            <a:avLst/>
-          </a:prstGeom>
-          <a:noFill/>
-        </p:spPr>
-        <p:txBody>
-          <a:bodyPr wrap="square" rtlCol="0">
-            <a:spAutoFit/>
-          </a:bodyPr>
-          <a:lstStyle/>
-          <a:p>
-            <a:r>
-              <a:rPr lang="en-US" sz="2200" b="1" dirty="0">
-                <a:latin typeface="Times New Roman" panose="02020603050405020304" pitchFamily="18" charset="0"/>
-                <a:cs typeface="Times New Roman" panose="02020603050405020304" pitchFamily="18" charset="0"/>
-              </a:rPr>
-              <a:t>Bounce 2</a:t>
-            </a:r>
-          </a:p>
-        </p:txBody>
-      </p:sp>
-      <p:sp>
-        <p:nvSpPr>
-          <p:cNvPr id="72" name="TextBox 71">
-            <a:extLst>
-              <a:ext uri="{FF2B5EF4-FFF2-40B4-BE49-F238E27FC236}">
-                <a16:creationId xmlns:a16="http://schemas.microsoft.com/office/drawing/2014/main" id="{42BF00F9-E687-5D57-405E-DA18384C8992}"/>
-              </a:ext>
-            </a:extLst>
-          </p:cNvPr>
-          <p:cNvSpPr txBox="1"/>
-          <p:nvPr/>
-        </p:nvSpPr>
-        <p:spPr>
-          <a:xfrm>
-            <a:off x="7758678" y="-1038"/>
             <a:ext cx="2055662" cy="430887"/>
           </a:xfrm>
           <a:prstGeom prst="rect">
@@ -5893,10 +5855,10 @@
       </p:sp>
       <p:sp>
         <p:nvSpPr>
-          <p:cNvPr id="73" name="TextBox 72">
-            <a:extLst>
-              <a:ext uri="{FF2B5EF4-FFF2-40B4-BE49-F238E27FC236}">
-                <a16:creationId xmlns:a16="http://schemas.microsoft.com/office/drawing/2014/main" id="{EE16D6EE-3E6A-7123-5500-821B214A8157}"/>
+          <p:cNvPr id="72" name="TextBox 71">
+            <a:extLst>
+              <a:ext uri="{FF2B5EF4-FFF2-40B4-BE49-F238E27FC236}">
+                <a16:creationId xmlns:a16="http://schemas.microsoft.com/office/drawing/2014/main" id="{42BF00F9-E687-5D57-405E-DA18384C8992}"/>
               </a:ext>
             </a:extLst>
           </p:cNvPr>
@@ -5905,7 +5867,7 @@
         </p:nvSpPr>
         <p:spPr>
           <a:xfrm>
-            <a:off x="92146" y="458748"/>
+            <a:off x="7758678" y="-1038"/>
             <a:ext cx="2055662" cy="430887"/>
           </a:xfrm>
           <a:prstGeom prst="rect">
@@ -5925,6 +5887,44 @@
                 <a:cs typeface="Times New Roman" panose="02020603050405020304" pitchFamily="18" charset="0"/>
               </a:rPr>
               <a:t>Bounce 4</a:t>
+            </a:r>
+          </a:p>
+        </p:txBody>
+      </p:sp>
+      <p:sp>
+        <p:nvSpPr>
+          <p:cNvPr id="73" name="TextBox 72">
+            <a:extLst>
+              <a:ext uri="{FF2B5EF4-FFF2-40B4-BE49-F238E27FC236}">
+                <a16:creationId xmlns:a16="http://schemas.microsoft.com/office/drawing/2014/main" id="{EE16D6EE-3E6A-7123-5500-821B214A8157}"/>
+              </a:ext>
+            </a:extLst>
+          </p:cNvPr>
+          <p:cNvSpPr txBox="1"/>
+          <p:nvPr/>
+        </p:nvSpPr>
+        <p:spPr>
+          <a:xfrm>
+            <a:off x="92146" y="458748"/>
+            <a:ext cx="2055662" cy="430887"/>
+          </a:xfrm>
+          <a:prstGeom prst="rect">
+            <a:avLst/>
+          </a:prstGeom>
+          <a:noFill/>
+        </p:spPr>
+        <p:txBody>
+          <a:bodyPr wrap="square" rtlCol="0">
+            <a:spAutoFit/>
+          </a:bodyPr>
+          <a:lstStyle/>
+          <a:p>
+            <a:r>
+              <a:rPr lang="en-US" sz="2200" b="1" dirty="0">
+                <a:latin typeface="Times New Roman" panose="02020603050405020304" pitchFamily="18" charset="0"/>
+                <a:cs typeface="Times New Roman" panose="02020603050405020304" pitchFamily="18" charset="0"/>
+              </a:rPr>
+              <a:t>Bounce 5</a:t>
             </a:r>
           </a:p>
         </p:txBody>
@@ -6268,7 +6268,7 @@
                 <a:latin typeface="Times New Roman" panose="02020603050405020304" pitchFamily="18" charset="0"/>
                 <a:cs typeface="Times New Roman" panose="02020603050405020304" pitchFamily="18" charset="0"/>
               </a:rPr>
-              <a:t>Bounce 5</a:t>
+              <a:t>Bounce 6</a:t>
             </a:r>
           </a:p>
         </p:txBody>
@@ -7164,8 +7164,8 @@
           </a:p>
         </p:txBody>
       </p:sp>
-      <mc:AlternateContent xmlns:mc="http://schemas.openxmlformats.org/markup-compatibility/2006">
-        <mc:Choice xmlns:a14="http://schemas.microsoft.com/office/drawing/2010/main" Requires="a14">
+      <mc:AlternateContent xmlns:mc="http://schemas.openxmlformats.org/markup-compatibility/2006" xmlns:a14="http://schemas.microsoft.com/office/drawing/2010/main">
+        <mc:Choice Requires="a14">
           <p:sp>
             <p:nvSpPr>
               <p:cNvPr id="30" name="TextBox 29">
@@ -7243,7 +7243,7 @@
             </p:txBody>
           </p:sp>
         </mc:Choice>
-        <mc:Fallback>
+        <mc:Fallback xmlns="">
           <p:sp>
             <p:nvSpPr>
               <p:cNvPr id="30" name="TextBox 29">
@@ -7288,8 +7288,8 @@
           </p:sp>
         </mc:Fallback>
       </mc:AlternateContent>
-      <mc:AlternateContent xmlns:mc="http://schemas.openxmlformats.org/markup-compatibility/2006">
-        <mc:Choice xmlns:a14="http://schemas.microsoft.com/office/drawing/2010/main" Requires="a14">
+      <mc:AlternateContent xmlns:mc="http://schemas.openxmlformats.org/markup-compatibility/2006" xmlns:a14="http://schemas.microsoft.com/office/drawing/2010/main">
+        <mc:Choice Requires="a14">
           <p:sp>
             <p:nvSpPr>
               <p:cNvPr id="32" name="TextBox 31">
@@ -7367,7 +7367,7 @@
             </p:txBody>
           </p:sp>
         </mc:Choice>
-        <mc:Fallback>
+        <mc:Fallback xmlns="">
           <p:sp>
             <p:nvSpPr>
               <p:cNvPr id="32" name="TextBox 31">
@@ -7412,8 +7412,8 @@
           </p:sp>
         </mc:Fallback>
       </mc:AlternateContent>
-      <mc:AlternateContent xmlns:mc="http://schemas.openxmlformats.org/markup-compatibility/2006">
-        <mc:Choice xmlns:a14="http://schemas.microsoft.com/office/drawing/2010/main" Requires="a14">
+      <mc:AlternateContent xmlns:mc="http://schemas.openxmlformats.org/markup-compatibility/2006" xmlns:a14="http://schemas.microsoft.com/office/drawing/2010/main">
+        <mc:Choice Requires="a14">
           <p:sp>
             <p:nvSpPr>
               <p:cNvPr id="33" name="TextBox 32">
@@ -7497,7 +7497,7 @@
             </p:txBody>
           </p:sp>
         </mc:Choice>
-        <mc:Fallback>
+        <mc:Fallback xmlns="">
           <p:sp>
             <p:nvSpPr>
               <p:cNvPr id="33" name="TextBox 32">
@@ -7542,8 +7542,8 @@
           </p:sp>
         </mc:Fallback>
       </mc:AlternateContent>
-      <mc:AlternateContent xmlns:mc="http://schemas.openxmlformats.org/markup-compatibility/2006">
-        <mc:Choice xmlns:a14="http://schemas.microsoft.com/office/drawing/2010/main" Requires="a14">
+      <mc:AlternateContent xmlns:mc="http://schemas.openxmlformats.org/markup-compatibility/2006" xmlns:a14="http://schemas.microsoft.com/office/drawing/2010/main">
+        <mc:Choice Requires="a14">
           <p:sp>
             <p:nvSpPr>
               <p:cNvPr id="36" name="TextBox 35">
@@ -7624,7 +7624,7 @@
             </p:txBody>
           </p:sp>
         </mc:Choice>
-        <mc:Fallback>
+        <mc:Fallback xmlns="">
           <p:sp>
             <p:nvSpPr>
               <p:cNvPr id="36" name="TextBox 35">
@@ -7672,8 +7672,8 @@
           </p:sp>
         </mc:Fallback>
       </mc:AlternateContent>
-      <mc:AlternateContent xmlns:mc="http://schemas.openxmlformats.org/markup-compatibility/2006">
-        <mc:Choice xmlns:a14="http://schemas.microsoft.com/office/drawing/2010/main" Requires="a14">
+      <mc:AlternateContent xmlns:mc="http://schemas.openxmlformats.org/markup-compatibility/2006" xmlns:a14="http://schemas.microsoft.com/office/drawing/2010/main">
+        <mc:Choice Requires="a14">
           <p:sp>
             <p:nvSpPr>
               <p:cNvPr id="37" name="TextBox 36">
@@ -7766,7 +7766,7 @@
             </p:txBody>
           </p:sp>
         </mc:Choice>
-        <mc:Fallback>
+        <mc:Fallback xmlns="">
           <p:sp>
             <p:nvSpPr>
               <p:cNvPr id="37" name="TextBox 36">
@@ -7937,8 +7937,8 @@
           </a:fontRef>
         </p:style>
       </p:cxnSp>
-      <mc:AlternateContent xmlns:mc="http://schemas.openxmlformats.org/markup-compatibility/2006">
-        <mc:Choice xmlns:a14="http://schemas.microsoft.com/office/drawing/2010/main" Requires="a14">
+      <mc:AlternateContent xmlns:mc="http://schemas.openxmlformats.org/markup-compatibility/2006" xmlns:a14="http://schemas.microsoft.com/office/drawing/2010/main">
+        <mc:Choice Requires="a14">
           <p:sp>
             <p:nvSpPr>
               <p:cNvPr id="90" name="TextBox 89">
@@ -8001,7 +8001,7 @@
             </p:txBody>
           </p:sp>
         </mc:Choice>
-        <mc:Fallback>
+        <mc:Fallback xmlns="">
           <p:sp>
             <p:nvSpPr>
               <p:cNvPr id="90" name="TextBox 89">
@@ -8046,8 +8046,8 @@
           </p:sp>
         </mc:Fallback>
       </mc:AlternateContent>
-      <mc:AlternateContent xmlns:mc="http://schemas.openxmlformats.org/markup-compatibility/2006">
-        <mc:Choice xmlns:a14="http://schemas.microsoft.com/office/drawing/2010/main" Requires="a14">
+      <mc:AlternateContent xmlns:mc="http://schemas.openxmlformats.org/markup-compatibility/2006" xmlns:a14="http://schemas.microsoft.com/office/drawing/2010/main">
+        <mc:Choice Requires="a14">
           <p:sp>
             <p:nvSpPr>
               <p:cNvPr id="91" name="TextBox 90">
@@ -8110,7 +8110,7 @@
             </p:txBody>
           </p:sp>
         </mc:Choice>
-        <mc:Fallback>
+        <mc:Fallback xmlns="">
           <p:sp>
             <p:nvSpPr>
               <p:cNvPr id="91" name="TextBox 90">
